--- a/Slides/Ch1.3-Roscoe26.pptx
+++ b/Slides/Ch1.3-Roscoe26.pptx
@@ -6,7 +6,7 @@
     <p:sldMasterId id="2147483664" r:id="rId2"/>
   </p:sldMasterIdLst>
   <p:notesMasterIdLst>
-    <p:notesMasterId r:id="rId22"/>
+    <p:notesMasterId r:id="rId17"/>
   </p:notesMasterIdLst>
   <p:sldIdLst>
     <p:sldId id="436" r:id="rId3"/>
@@ -14,20 +14,15 @@
     <p:sldId id="495" r:id="rId5"/>
     <p:sldId id="496" r:id="rId6"/>
     <p:sldId id="370" r:id="rId7"/>
-    <p:sldId id="629" r:id="rId8"/>
-    <p:sldId id="485" r:id="rId9"/>
-    <p:sldId id="630" r:id="rId10"/>
-    <p:sldId id="478" r:id="rId11"/>
-    <p:sldId id="486" r:id="rId12"/>
-    <p:sldId id="494" r:id="rId13"/>
-    <p:sldId id="492" r:id="rId14"/>
-    <p:sldId id="493" r:id="rId15"/>
-    <p:sldId id="631" r:id="rId16"/>
-    <p:sldId id="475" r:id="rId17"/>
-    <p:sldId id="476" r:id="rId18"/>
-    <p:sldId id="474" r:id="rId19"/>
-    <p:sldId id="483" r:id="rId20"/>
-    <p:sldId id="490" r:id="rId21"/>
+    <p:sldId id="494" r:id="rId8"/>
+    <p:sldId id="492" r:id="rId9"/>
+    <p:sldId id="493" r:id="rId10"/>
+    <p:sldId id="632" r:id="rId11"/>
+    <p:sldId id="631" r:id="rId12"/>
+    <p:sldId id="475" r:id="rId13"/>
+    <p:sldId id="476" r:id="rId14"/>
+    <p:sldId id="474" r:id="rId15"/>
+    <p:sldId id="483" r:id="rId16"/>
   </p:sldIdLst>
   <p:sldSz cx="12192000" cy="6858000"/>
   <p:notesSz cx="6858000" cy="9144000"/>
@@ -613,6 +608,90 @@
     <p:extLst>
       <p:ext uri="{BB962C8B-B14F-4D97-AF65-F5344CB8AC3E}">
         <p14:creationId xmlns:p14="http://schemas.microsoft.com/office/powerpoint/2010/main" val="26783648"/>
+      </p:ext>
+    </p:extLst>
+  </p:cSld>
+  <p:clrMapOvr>
+    <a:masterClrMapping/>
+  </p:clrMapOvr>
+</p:notes>
+</file>
+
+<file path=ppt/notesSlides/notesSlide2.xml><?xml version="1.0" encoding="utf-8"?>
+<p:notes xmlns:a="http://schemas.openxmlformats.org/drawingml/2006/main" xmlns:r="http://schemas.openxmlformats.org/officeDocument/2006/relationships" xmlns:p="http://schemas.openxmlformats.org/presentationml/2006/main">
+  <p:cSld>
+    <p:spTree>
+      <p:nvGrpSpPr>
+        <p:cNvPr id="1" name=""/>
+        <p:cNvGrpSpPr/>
+        <p:nvPr/>
+      </p:nvGrpSpPr>
+      <p:grpSpPr>
+        <a:xfrm>
+          <a:off x="0" y="0"/>
+          <a:ext cx="0" cy="0"/>
+          <a:chOff x="0" y="0"/>
+          <a:chExt cx="0" cy="0"/>
+        </a:xfrm>
+      </p:grpSpPr>
+      <p:sp>
+        <p:nvSpPr>
+          <p:cNvPr id="2" name="Slide Image Placeholder 1"/>
+          <p:cNvSpPr>
+            <a:spLocks noGrp="1" noRot="1" noChangeAspect="1"/>
+          </p:cNvSpPr>
+          <p:nvPr>
+            <p:ph type="sldImg"/>
+          </p:nvPr>
+        </p:nvSpPr>
+        <p:spPr/>
+      </p:sp>
+      <p:sp>
+        <p:nvSpPr>
+          <p:cNvPr id="3" name="Notes Placeholder 2"/>
+          <p:cNvSpPr>
+            <a:spLocks noGrp="1"/>
+          </p:cNvSpPr>
+          <p:nvPr>
+            <p:ph type="body" idx="1"/>
+          </p:nvPr>
+        </p:nvSpPr>
+        <p:spPr/>
+        <p:txBody>
+          <a:bodyPr/>
+          <a:lstStyle/>
+          <a:p>
+            <a:endParaRPr lang="en-US" dirty="0"/>
+          </a:p>
+        </p:txBody>
+      </p:sp>
+      <p:sp>
+        <p:nvSpPr>
+          <p:cNvPr id="4" name="Slide Number Placeholder 3"/>
+          <p:cNvSpPr>
+            <a:spLocks noGrp="1"/>
+          </p:cNvSpPr>
+          <p:nvPr>
+            <p:ph type="sldNum" sz="quarter" idx="5"/>
+          </p:nvPr>
+        </p:nvSpPr>
+        <p:spPr/>
+        <p:txBody>
+          <a:bodyPr/>
+          <a:lstStyle/>
+          <a:p>
+            <a:fld id="{D5EB9EE1-6364-9F43-9A21-D12874710BAB}" type="slidenum">
+              <a:rPr lang="en-US" smtClean="0"/>
+              <a:t>10</a:t>
+            </a:fld>
+            <a:endParaRPr lang="en-US"/>
+          </a:p>
+        </p:txBody>
+      </p:sp>
+    </p:spTree>
+    <p:extLst>
+      <p:ext uri="{BB962C8B-B14F-4D97-AF65-F5344CB8AC3E}">
+        <p14:creationId xmlns:p14="http://schemas.microsoft.com/office/powerpoint/2010/main" val="3883700842"/>
       </p:ext>
     </p:extLst>
   </p:cSld>
@@ -11627,7 +11706,13 @@
       </p:grpSpPr>
       <p:sp>
         <p:nvSpPr>
-          <p:cNvPr id="3" name="Title 2"/>
+          <p:cNvPr id="2" name="Title 1">
+            <a:extLst>
+              <a:ext uri="{FF2B5EF4-FFF2-40B4-BE49-F238E27FC236}">
+                <a16:creationId xmlns:a16="http://schemas.microsoft.com/office/drawing/2014/main" id="{9B34AF89-F1F3-A989-3AE8-A532CDEB38EE}"/>
+              </a:ext>
+            </a:extLst>
+          </p:cNvPr>
           <p:cNvSpPr>
             <a:spLocks noGrp="1"/>
           </p:cNvSpPr>
@@ -11641,19 +11726,80 @@
           <a:lstStyle/>
           <a:p>
             <a:r>
-              <a:rPr lang="en-US" dirty="0">
-                <a:solidFill>
-                  <a:schemeClr val="accent1"/>
-                </a:solidFill>
-              </a:rPr>
-              <a:t>Two-Sided Tests and p-values</a:t>
-            </a:r>
-          </a:p>
-        </p:txBody>
-      </p:sp>
-      <p:sp>
-        <p:nvSpPr>
-          <p:cNvPr id="2" name="Content Placeholder 1"/>
+              <a:rPr lang="en-US" dirty="0"/>
+              <a:t>What's a summary statistic?</a:t>
+            </a:r>
+          </a:p>
+        </p:txBody>
+      </p:sp>
+      <p:sp>
+        <p:nvSpPr>
+          <p:cNvPr id="3" name="Slide Number Placeholder 2">
+            <a:extLst>
+              <a:ext uri="{FF2B5EF4-FFF2-40B4-BE49-F238E27FC236}">
+                <a16:creationId xmlns:a16="http://schemas.microsoft.com/office/drawing/2014/main" id="{00DCFDDC-8363-6A3E-7247-7A315F62B2DF}"/>
+              </a:ext>
+            </a:extLst>
+          </p:cNvPr>
+          <p:cNvSpPr>
+            <a:spLocks noGrp="1"/>
+          </p:cNvSpPr>
+          <p:nvPr>
+            <p:ph type="sldNum" sz="quarter" idx="10"/>
+          </p:nvPr>
+        </p:nvSpPr>
+        <p:spPr/>
+        <p:txBody>
+          <a:bodyPr/>
+          <a:lstStyle/>
+          <a:p>
+            <a:fld id="{67B19427-F580-D146-B60E-4CADEE75497F}" type="slidenum">
+              <a:rPr lang="en-US" smtClean="0"/>
+              <a:pPr/>
+              <a:t>10</a:t>
+            </a:fld>
+            <a:endParaRPr lang="en-US" dirty="0"/>
+          </a:p>
+        </p:txBody>
+      </p:sp>
+      <p:sp>
+        <p:nvSpPr>
+          <p:cNvPr id="4" name="Footer Placeholder 3">
+            <a:extLst>
+              <a:ext uri="{FF2B5EF4-FFF2-40B4-BE49-F238E27FC236}">
+                <a16:creationId xmlns:a16="http://schemas.microsoft.com/office/drawing/2014/main" id="{700240A0-58E7-83C3-F65D-436014FEC4C5}"/>
+              </a:ext>
+            </a:extLst>
+          </p:cNvPr>
+          <p:cNvSpPr>
+            <a:spLocks noGrp="1"/>
+          </p:cNvSpPr>
+          <p:nvPr>
+            <p:ph type="ftr" sz="quarter" idx="11"/>
+          </p:nvPr>
+        </p:nvSpPr>
+        <p:spPr/>
+        <p:txBody>
+          <a:bodyPr/>
+          <a:lstStyle/>
+          <a:p>
+            <a:r>
+              <a:rPr lang="en-US"/>
+              <a:t>Copyright ©2020 John Wiley &amp; Sons, Inc. </a:t>
+            </a:r>
+            <a:endParaRPr lang="en-US" dirty="0"/>
+          </a:p>
+        </p:txBody>
+      </p:sp>
+      <p:sp>
+        <p:nvSpPr>
+          <p:cNvPr id="5" name="Content Placeholder 4">
+            <a:extLst>
+              <a:ext uri="{FF2B5EF4-FFF2-40B4-BE49-F238E27FC236}">
+                <a16:creationId xmlns:a16="http://schemas.microsoft.com/office/drawing/2014/main" id="{52959560-6551-A397-4BF4-2846E5644853}"/>
+              </a:ext>
+            </a:extLst>
+          </p:cNvPr>
           <p:cNvSpPr>
             <a:spLocks noGrp="1"/>
           </p:cNvSpPr>
@@ -11663,66 +11809,64 @@
         </p:nvSpPr>
         <p:spPr/>
         <p:txBody>
-          <a:bodyPr>
-            <a:normAutofit/>
-          </a:bodyPr>
+          <a:bodyPr/>
           <a:lstStyle/>
           <a:p>
-            <a:r>
-              <a:rPr lang="en-US" dirty="0"/>
-              <a:t>Changing the alternative hypothesis affects how we compute the p-value.</a:t>
-            </a:r>
-          </a:p>
-          <a:p>
-            <a:r>
-              <a:rPr lang="en-US" dirty="0"/>
-              <a:t>The p-value is the probability of obtaining a proportion that is </a:t>
-            </a:r>
-            <a:r>
-              <a:rPr lang="en-US" b="1" dirty="0"/>
-              <a:t>equal to or</a:t>
-            </a:r>
-            <a:r>
-              <a:rPr lang="en-US" dirty="0"/>
-              <a:t> </a:t>
-            </a:r>
-            <a:r>
-              <a:rPr lang="en-US" b="1" dirty="0"/>
-              <a:t>more extreme </a:t>
-            </a:r>
-            <a:r>
-              <a:rPr lang="en-US" dirty="0"/>
-              <a:t>than the observed statistic</a:t>
-            </a:r>
-          </a:p>
-          <a:p>
-            <a:r>
-              <a:rPr lang="en-US" dirty="0"/>
-              <a:t>In a </a:t>
-            </a:r>
-            <a:r>
-              <a:rPr lang="en-US" i="1" dirty="0"/>
-              <a:t>two-sided test</a:t>
-            </a:r>
-            <a:r>
-              <a:rPr lang="en-US" dirty="0"/>
-              <a:t>, “more extreme”</a:t>
-            </a:r>
-            <a:r>
-              <a:rPr lang="en-US" b="1" dirty="0"/>
-              <a:t> </a:t>
-            </a:r>
-            <a:r>
-              <a:rPr lang="en-US" dirty="0"/>
-              <a:t>goes in both directions. </a:t>
-            </a:r>
-          </a:p>
-        </p:txBody>
-      </p:sp>
+            <a:endParaRPr lang="en-US" dirty="0"/>
+          </a:p>
+        </p:txBody>
+      </p:sp>
+      <p:pic>
+        <p:nvPicPr>
+          <p:cNvPr id="6146" name="Picture 2" descr="Standard Deviation - Formula | How to Calculate Standard Deviation?">
+            <a:extLst>
+              <a:ext uri="{FF2B5EF4-FFF2-40B4-BE49-F238E27FC236}">
+                <a16:creationId xmlns:a16="http://schemas.microsoft.com/office/drawing/2014/main" id="{E31D3B81-B6F4-16E2-8F17-E332E7B4E412}"/>
+              </a:ext>
+            </a:extLst>
+          </p:cNvPr>
+          <p:cNvPicPr>
+            <a:picLocks noChangeAspect="1" noChangeArrowheads="1"/>
+          </p:cNvPicPr>
+          <p:nvPr/>
+        </p:nvPicPr>
+        <p:blipFill>
+          <a:blip r:embed="rId3">
+            <a:extLst>
+              <a:ext uri="{28A0092B-C50C-407E-A947-70E740481C1C}">
+                <a14:useLocalDpi xmlns:a14="http://schemas.microsoft.com/office/drawing/2010/main" val="0"/>
+              </a:ext>
+            </a:extLst>
+          </a:blip>
+          <a:srcRect/>
+          <a:stretch>
+            <a:fillRect/>
+          </a:stretch>
+        </p:blipFill>
+        <p:spPr bwMode="auto">
+          <a:xfrm>
+            <a:off x="1682750" y="1370013"/>
+            <a:ext cx="8826500" cy="5029200"/>
+          </a:xfrm>
+          <a:prstGeom prst="rect">
+            <a:avLst/>
+          </a:prstGeom>
+          <a:noFill/>
+          <a:extLst>
+            <a:ext uri="{909E8E84-426E-40DD-AFC4-6F175D3DCCD1}">
+              <a14:hiddenFill xmlns:a14="http://schemas.microsoft.com/office/drawing/2010/main">
+                <a:solidFill>
+                  <a:srgbClr val="FFFFFF"/>
+                </a:solidFill>
+              </a14:hiddenFill>
+            </a:ext>
+          </a:extLst>
+        </p:spPr>
+      </p:pic>
     </p:spTree>
     <p:extLst>
       <p:ext uri="{BB962C8B-B14F-4D97-AF65-F5344CB8AC3E}">
-        <p14:creationId xmlns:p14="http://schemas.microsoft.com/office/powerpoint/2010/main" val="1187198899"/>
+        <p14:creationId xmlns:p14="http://schemas.microsoft.com/office/powerpoint/2010/main" val="3081582190"/>
       </p:ext>
     </p:extLst>
   </p:cSld>
@@ -11751,38 +11895,12 @@
       </p:grpSpPr>
       <p:sp>
         <p:nvSpPr>
-          <p:cNvPr id="2" name="Title 1"/>
+          <p:cNvPr id="3" name="Title 2"/>
           <p:cNvSpPr>
             <a:spLocks noGrp="1"/>
           </p:cNvSpPr>
           <p:nvPr>
             <p:ph type="title"/>
-          </p:nvPr>
-        </p:nvSpPr>
-        <p:spPr/>
-        <p:txBody>
-          <a:bodyPr/>
-          <a:lstStyle/>
-          <a:p>
-            <a:r>
-              <a:rPr lang="en-US" dirty="0">
-                <a:solidFill>
-                  <a:schemeClr val="accent1"/>
-                </a:solidFill>
-              </a:rPr>
-              <a:t>Strength of Evidence</a:t>
-            </a:r>
-          </a:p>
-        </p:txBody>
-      </p:sp>
-      <p:sp>
-        <p:nvSpPr>
-          <p:cNvPr id="3" name="Content Placeholder 2"/>
-          <p:cNvSpPr>
-            <a:spLocks noGrp="1"/>
-          </p:cNvSpPr>
-          <p:nvPr>
-            <p:ph sz="quarter" idx="12"/>
           </p:nvPr>
         </p:nvSpPr>
         <p:spPr/>
@@ -11793,36 +11911,70 @@
           <a:lstStyle/>
           <a:p>
             <a:r>
+              <a:rPr lang="en-US" dirty="0">
+                <a:solidFill>
+                  <a:schemeClr val="accent1"/>
+                </a:solidFill>
+              </a:rPr>
+              <a:t>Describing a Distribution</a:t>
+            </a:r>
+          </a:p>
+        </p:txBody>
+      </p:sp>
+      <p:sp>
+        <p:nvSpPr>
+          <p:cNvPr id="4" name="Content Placeholder 3"/>
+          <p:cNvSpPr>
+            <a:spLocks noGrp="1"/>
+          </p:cNvSpPr>
+          <p:nvPr>
+            <p:ph sz="quarter" idx="12"/>
+          </p:nvPr>
+        </p:nvSpPr>
+        <p:spPr/>
+        <p:txBody>
+          <a:bodyPr>
+            <a:noAutofit/>
+          </a:bodyPr>
+          <a:lstStyle/>
+          <a:p>
+            <a:r>
               <a:rPr lang="en-US" dirty="0"/>
-              <a:t>P-values are one measure for the strength of evidence. </a:t>
-            </a:r>
-          </a:p>
-          <a:p>
+              <a:t>There are two main ways to find the mean and SD of a null distribution:</a:t>
+            </a:r>
+          </a:p>
+          <a:p>
+            <a:pPr lvl="1"/>
+            <a:r>
+              <a:rPr lang="en-US" sz="2600" dirty="0"/>
+              <a:t>Have the applet compute them. (Click “Summary Stats” box in </a:t>
+            </a:r>
+            <a:r>
+              <a:rPr lang="en-US" sz="2600" b="1" dirty="0"/>
+              <a:t>One Proportion</a:t>
+            </a:r>
+            <a:r>
+              <a:rPr lang="en-US" sz="2600" dirty="0"/>
+              <a:t> applet.)</a:t>
+            </a:r>
+          </a:p>
+          <a:p>
+            <a:pPr lvl="1"/>
+            <a:r>
+              <a:rPr lang="en-US" sz="2600" dirty="0"/>
+              <a:t>Use an appropriate theory-based approach (Section 1.5).</a:t>
+            </a:r>
+          </a:p>
+          <a:p>
+            <a:endParaRPr lang="en-US" dirty="0"/>
+          </a:p>
+          <a:p>
+            <a:pPr marL="114300" indent="0">
+              <a:buNone/>
+            </a:pPr>
             <a:r>
               <a:rPr lang="en-US" dirty="0"/>
-              <a:t>Another approach is to </a:t>
-            </a:r>
-            <a:r>
-              <a:rPr lang="en-US" i="1" dirty="0"/>
-              <a:t>standardize</a:t>
-            </a:r>
-            <a:r>
-              <a:rPr lang="en-US" dirty="0"/>
-              <a:t> our observed statistic</a:t>
-            </a:r>
-            <a:r>
-              <a:rPr lang="en-US" i="1" dirty="0"/>
-              <a:t>.</a:t>
-            </a:r>
-          </a:p>
-          <a:p>
-            <a:r>
-              <a:rPr lang="en-US" i="1" dirty="0"/>
-              <a:t>Standardizing </a:t>
-            </a:r>
-            <a:r>
-              <a:rPr lang="en-US" dirty="0"/>
-              <a:t>gives a quick, informal way to evaluate strength of evidence.</a:t>
+              <a:t>		</a:t>
             </a:r>
           </a:p>
         </p:txBody>
@@ -11830,7 +11982,7 @@
     </p:spTree>
     <p:extLst>
       <p:ext uri="{BB962C8B-B14F-4D97-AF65-F5344CB8AC3E}">
-        <p14:creationId xmlns:p14="http://schemas.microsoft.com/office/powerpoint/2010/main" val="2559634602"/>
+        <p14:creationId xmlns:p14="http://schemas.microsoft.com/office/powerpoint/2010/main" val="1398789498"/>
       </p:ext>
     </p:extLst>
   </p:cSld>
@@ -11885,69 +12037,141 @@
       </p:sp>
       <p:sp>
         <p:nvSpPr>
-          <p:cNvPr id="3" name="Content Placeholder 2"/>
-          <p:cNvSpPr>
-            <a:spLocks noGrp="1"/>
-          </p:cNvSpPr>
-          <p:nvPr>
-            <p:ph sz="quarter" idx="12"/>
-          </p:nvPr>
-        </p:nvSpPr>
-        <p:spPr/>
-        <p:txBody>
-          <a:bodyPr>
-            <a:normAutofit/>
+          <p:cNvPr id="5" name="Oval 4"/>
+          <p:cNvSpPr/>
+          <p:nvPr/>
+        </p:nvSpPr>
+        <p:spPr>
+          <a:xfrm>
+            <a:off x="2819400" y="1981200"/>
+            <a:ext cx="1676400" cy="838200"/>
+          </a:xfrm>
+          <a:prstGeom prst="ellipse">
+            <a:avLst/>
+          </a:prstGeom>
+          <a:noFill/>
+          <a:ln w="28575" cmpd="sng"/>
+          <a:effectLst/>
+        </p:spPr>
+        <p:style>
+          <a:lnRef idx="1">
+            <a:schemeClr val="accent1"/>
+          </a:lnRef>
+          <a:fillRef idx="3">
+            <a:schemeClr val="accent1"/>
+          </a:fillRef>
+          <a:effectRef idx="2">
+            <a:schemeClr val="accent1"/>
+          </a:effectRef>
+          <a:fontRef idx="minor">
+            <a:schemeClr val="lt1"/>
+          </a:fontRef>
+        </p:style>
+        <p:txBody>
+          <a:bodyPr rtlCol="0" anchor="ctr"/>
+          <a:lstStyle/>
+          <a:p>
+            <a:pPr algn="ctr" eaLnBrk="0" fontAlgn="base" hangingPunct="0">
+              <a:spcBef>
+                <a:spcPct val="0"/>
+              </a:spcBef>
+              <a:spcAft>
+                <a:spcPct val="0"/>
+              </a:spcAft>
+              <a:defRPr/>
+            </a:pPr>
+            <a:endParaRPr lang="en-US">
+              <a:solidFill>
+                <a:prstClr val="white"/>
+              </a:solidFill>
+              <a:latin typeface="Calibri"/>
+            </a:endParaRPr>
+          </a:p>
+        </p:txBody>
+      </p:sp>
+      <p:sp>
+        <p:nvSpPr>
+          <p:cNvPr id="7" name="TextBox 6">
+            <a:extLst>
+              <a:ext uri="{FF2B5EF4-FFF2-40B4-BE49-F238E27FC236}">
+                <a16:creationId xmlns:a16="http://schemas.microsoft.com/office/drawing/2014/main" id="{D4F6CC26-E2F0-B749-BBC0-89B04E0B50CF}"/>
+              </a:ext>
+            </a:extLst>
+          </p:cNvPr>
+          <p:cNvSpPr txBox="1"/>
+          <p:nvPr/>
+        </p:nvSpPr>
+        <p:spPr>
+          <a:xfrm>
+            <a:off x="5410201" y="1676400"/>
+            <a:ext cx="495649" cy="369332"/>
+          </a:xfrm>
+          <a:prstGeom prst="rect">
+            <a:avLst/>
+          </a:prstGeom>
+          <a:noFill/>
+        </p:spPr>
+        <p:txBody>
+          <a:bodyPr wrap="none" rtlCol="0">
+            <a:spAutoFit/>
           </a:bodyPr>
           <a:lstStyle/>
           <a:p>
-            <a:r>
-              <a:rPr lang="en-US" dirty="0"/>
-              <a:t>Some aspects to look for in a distribution:</a:t>
-            </a:r>
-          </a:p>
-          <a:p>
-            <a:pPr lvl="1"/>
-            <a:r>
-              <a:rPr lang="en-US" sz="2800" b="1" i="1" dirty="0"/>
-              <a:t>Shape </a:t>
-            </a:r>
-          </a:p>
-          <a:p>
-            <a:pPr lvl="1"/>
-            <a:r>
-              <a:rPr lang="en-US" sz="2800" b="1" i="1" dirty="0"/>
-              <a:t>Center </a:t>
-            </a:r>
-            <a:endParaRPr lang="en-US" sz="2800" dirty="0"/>
-          </a:p>
-          <a:p>
-            <a:pPr lvl="1"/>
-            <a:r>
-              <a:rPr lang="en-US" sz="2800" b="1" i="1" dirty="0"/>
-              <a:t>Variability </a:t>
-            </a:r>
-            <a:r>
-              <a:rPr lang="en-US" sz="2800" dirty="0"/>
-              <a:t>(how spread out is the data?)</a:t>
-            </a:r>
-          </a:p>
-          <a:p>
-            <a:pPr lvl="1"/>
-            <a:r>
-              <a:rPr lang="en-US" sz="2800" b="1" i="1" dirty="0"/>
-              <a:t>Unusual observations</a:t>
-            </a:r>
-            <a:endParaRPr lang="en-US" sz="2800" dirty="0"/>
-          </a:p>
-          <a:p>
-            <a:endParaRPr lang="en-US" dirty="0"/>
-          </a:p>
-        </p:txBody>
-      </p:sp>
+            <a:pPr eaLnBrk="0" fontAlgn="base" hangingPunct="0">
+              <a:spcBef>
+                <a:spcPct val="0"/>
+              </a:spcBef>
+              <a:spcAft>
+                <a:spcPct val="0"/>
+              </a:spcAft>
+              <a:defRPr/>
+            </a:pPr>
+            <a:r>
+              <a:rPr lang="en-US" dirty="0">
+                <a:solidFill>
+                  <a:prstClr val="black"/>
+                </a:solidFill>
+                <a:latin typeface="Verdana" pitchFamily="34" charset="0"/>
+              </a:rPr>
+              <a:t>z=</a:t>
+            </a:r>
+          </a:p>
+        </p:txBody>
+      </p:sp>
+      <p:pic>
+        <p:nvPicPr>
+          <p:cNvPr id="3" name="Picture 2">
+            <a:extLst>
+              <a:ext uri="{FF2B5EF4-FFF2-40B4-BE49-F238E27FC236}">
+                <a16:creationId xmlns:a16="http://schemas.microsoft.com/office/drawing/2014/main" id="{D6053745-646A-004F-8F3B-1D2C4BCF6825}"/>
+              </a:ext>
+            </a:extLst>
+          </p:cNvPr>
+          <p:cNvPicPr>
+            <a:picLocks noChangeAspect="1"/>
+          </p:cNvPicPr>
+          <p:nvPr/>
+        </p:nvPicPr>
+        <p:blipFill>
+          <a:blip r:embed="rId2"/>
+          <a:stretch>
+            <a:fillRect/>
+          </a:stretch>
+        </p:blipFill>
+        <p:spPr>
+          <a:xfrm>
+            <a:off x="2483024" y="1379009"/>
+            <a:ext cx="6350000" cy="5194300"/>
+          </a:xfrm>
+          <a:prstGeom prst="rect">
+            <a:avLst/>
+          </a:prstGeom>
+        </p:spPr>
+      </p:pic>
     </p:spTree>
     <p:extLst>
       <p:ext uri="{BB962C8B-B14F-4D97-AF65-F5344CB8AC3E}">
-        <p14:creationId xmlns:p14="http://schemas.microsoft.com/office/powerpoint/2010/main" val="1078740990"/>
+        <p14:creationId xmlns:p14="http://schemas.microsoft.com/office/powerpoint/2010/main" val="2803637066"/>
       </p:ext>
     </p:extLst>
   </p:cSld>
@@ -11976,38 +12200,12 @@
       </p:grpSpPr>
       <p:sp>
         <p:nvSpPr>
-          <p:cNvPr id="2" name="Title 1"/>
+          <p:cNvPr id="3" name="Title 2"/>
           <p:cNvSpPr>
             <a:spLocks noGrp="1"/>
           </p:cNvSpPr>
           <p:nvPr>
             <p:ph type="title"/>
-          </p:nvPr>
-        </p:nvSpPr>
-        <p:spPr/>
-        <p:txBody>
-          <a:bodyPr/>
-          <a:lstStyle/>
-          <a:p>
-            <a:r>
-              <a:rPr lang="en-US" dirty="0">
-                <a:solidFill>
-                  <a:schemeClr val="accent1"/>
-                </a:solidFill>
-              </a:rPr>
-              <a:t>Describing a Distribution</a:t>
-            </a:r>
-          </a:p>
-        </p:txBody>
-      </p:sp>
-      <p:sp>
-        <p:nvSpPr>
-          <p:cNvPr id="3" name="Content Placeholder 2"/>
-          <p:cNvSpPr>
-            <a:spLocks noGrp="1"/>
-          </p:cNvSpPr>
-          <p:nvPr>
-            <p:ph sz="quarter" idx="12"/>
           </p:nvPr>
         </p:nvSpPr>
         <p:spPr/>
@@ -12018,302 +12216,12 @@
           <a:lstStyle/>
           <a:p>
             <a:r>
-              <a:rPr lang="en-US" dirty="0"/>
-              <a:t>For our null distribution:</a:t>
-            </a:r>
-          </a:p>
-          <a:p>
-            <a:pPr lvl="1"/>
-            <a:r>
-              <a:rPr lang="en-US" sz="2800" b="1" i="1" dirty="0"/>
-              <a:t>Shape: </a:t>
-            </a:r>
-            <a:r>
-              <a:rPr lang="en-US" sz="2800" dirty="0"/>
-              <a:t>bell-curve (“normal”)</a:t>
-            </a:r>
-          </a:p>
-          <a:p>
-            <a:pPr lvl="1"/>
-            <a:r>
-              <a:rPr lang="en-US" sz="2800" b="1" i="1" dirty="0"/>
-              <a:t>Center: </a:t>
-            </a:r>
-            <a:r>
-              <a:rPr lang="en-US" sz="2800" dirty="0"/>
-              <a:t>mean (average)</a:t>
-            </a:r>
-          </a:p>
-          <a:p>
-            <a:pPr lvl="1"/>
-            <a:r>
-              <a:rPr lang="en-US" sz="2800" b="1" i="1" dirty="0"/>
-              <a:t>Variability: </a:t>
-            </a:r>
-            <a:r>
-              <a:rPr lang="en-US" sz="2800" dirty="0"/>
-              <a:t>standard deviation (SD)</a:t>
-            </a:r>
-          </a:p>
-          <a:p>
-            <a:pPr lvl="1"/>
-            <a:r>
-              <a:rPr lang="en-US" sz="2800" b="1" i="1" dirty="0"/>
-              <a:t>Unusual observations: </a:t>
-            </a:r>
-            <a:r>
-              <a:rPr lang="en-US" sz="2800" dirty="0"/>
-              <a:t>none</a:t>
-            </a:r>
-          </a:p>
-          <a:p>
-            <a:endParaRPr lang="en-US" dirty="0"/>
-          </a:p>
-        </p:txBody>
-      </p:sp>
-    </p:spTree>
-    <p:extLst>
-      <p:ext uri="{BB962C8B-B14F-4D97-AF65-F5344CB8AC3E}">
-        <p14:creationId xmlns:p14="http://schemas.microsoft.com/office/powerpoint/2010/main" val="2600682176"/>
-      </p:ext>
-    </p:extLst>
-  </p:cSld>
-  <p:clrMapOvr>
-    <a:masterClrMapping/>
-  </p:clrMapOvr>
-</p:sld>
-</file>
-
-<file path=ppt/slides/slide14.xml><?xml version="1.0" encoding="utf-8"?>
-<p:sld xmlns:a="http://schemas.openxmlformats.org/drawingml/2006/main" xmlns:r="http://schemas.openxmlformats.org/officeDocument/2006/relationships" xmlns:p="http://schemas.openxmlformats.org/presentationml/2006/main">
-  <p:cSld>
-    <p:spTree>
-      <p:nvGrpSpPr>
-        <p:cNvPr id="1" name=""/>
-        <p:cNvGrpSpPr/>
-        <p:nvPr/>
-      </p:nvGrpSpPr>
-      <p:grpSpPr>
-        <a:xfrm>
-          <a:off x="0" y="0"/>
-          <a:ext cx="0" cy="0"/>
-          <a:chOff x="0" y="0"/>
-          <a:chExt cx="0" cy="0"/>
-        </a:xfrm>
-      </p:grpSpPr>
-      <p:sp>
-        <p:nvSpPr>
-          <p:cNvPr id="2" name="Title 1">
-            <a:extLst>
-              <a:ext uri="{FF2B5EF4-FFF2-40B4-BE49-F238E27FC236}">
-                <a16:creationId xmlns:a16="http://schemas.microsoft.com/office/drawing/2014/main" id="{9B34AF89-F1F3-A989-3AE8-A532CDEB38EE}"/>
-              </a:ext>
-            </a:extLst>
-          </p:cNvPr>
-          <p:cNvSpPr>
-            <a:spLocks noGrp="1"/>
-          </p:cNvSpPr>
-          <p:nvPr>
-            <p:ph type="title"/>
-          </p:nvPr>
-        </p:nvSpPr>
-        <p:spPr/>
-        <p:txBody>
-          <a:bodyPr/>
-          <a:lstStyle/>
-          <a:p>
-            <a:r>
-              <a:rPr lang="en-US" dirty="0"/>
-              <a:t>What's a summary statistic?</a:t>
-            </a:r>
-          </a:p>
-        </p:txBody>
-      </p:sp>
-      <p:sp>
-        <p:nvSpPr>
-          <p:cNvPr id="3" name="Slide Number Placeholder 2">
-            <a:extLst>
-              <a:ext uri="{FF2B5EF4-FFF2-40B4-BE49-F238E27FC236}">
-                <a16:creationId xmlns:a16="http://schemas.microsoft.com/office/drawing/2014/main" id="{00DCFDDC-8363-6A3E-7247-7A315F62B2DF}"/>
-              </a:ext>
-            </a:extLst>
-          </p:cNvPr>
-          <p:cNvSpPr>
-            <a:spLocks noGrp="1"/>
-          </p:cNvSpPr>
-          <p:nvPr>
-            <p:ph type="sldNum" sz="quarter" idx="10"/>
-          </p:nvPr>
-        </p:nvSpPr>
-        <p:spPr/>
-        <p:txBody>
-          <a:bodyPr/>
-          <a:lstStyle/>
-          <a:p>
-            <a:fld id="{67B19427-F580-D146-B60E-4CADEE75497F}" type="slidenum">
-              <a:rPr lang="en-US" smtClean="0"/>
-              <a:pPr/>
-              <a:t>14</a:t>
-            </a:fld>
-            <a:endParaRPr lang="en-US" dirty="0"/>
-          </a:p>
-        </p:txBody>
-      </p:sp>
-      <p:sp>
-        <p:nvSpPr>
-          <p:cNvPr id="4" name="Footer Placeholder 3">
-            <a:extLst>
-              <a:ext uri="{FF2B5EF4-FFF2-40B4-BE49-F238E27FC236}">
-                <a16:creationId xmlns:a16="http://schemas.microsoft.com/office/drawing/2014/main" id="{700240A0-58E7-83C3-F65D-436014FEC4C5}"/>
-              </a:ext>
-            </a:extLst>
-          </p:cNvPr>
-          <p:cNvSpPr>
-            <a:spLocks noGrp="1"/>
-          </p:cNvSpPr>
-          <p:nvPr>
-            <p:ph type="ftr" sz="quarter" idx="11"/>
-          </p:nvPr>
-        </p:nvSpPr>
-        <p:spPr/>
-        <p:txBody>
-          <a:bodyPr/>
-          <a:lstStyle/>
-          <a:p>
-            <a:r>
-              <a:rPr lang="en-US"/>
-              <a:t>Copyright ©2020 John Wiley &amp; Sons, Inc. </a:t>
-            </a:r>
-            <a:endParaRPr lang="en-US" dirty="0"/>
-          </a:p>
-        </p:txBody>
-      </p:sp>
-      <p:sp>
-        <p:nvSpPr>
-          <p:cNvPr id="5" name="Content Placeholder 4">
-            <a:extLst>
-              <a:ext uri="{FF2B5EF4-FFF2-40B4-BE49-F238E27FC236}">
-                <a16:creationId xmlns:a16="http://schemas.microsoft.com/office/drawing/2014/main" id="{52959560-6551-A397-4BF4-2846E5644853}"/>
-              </a:ext>
-            </a:extLst>
-          </p:cNvPr>
-          <p:cNvSpPr>
-            <a:spLocks noGrp="1"/>
-          </p:cNvSpPr>
-          <p:nvPr>
-            <p:ph sz="quarter" idx="12"/>
-          </p:nvPr>
-        </p:nvSpPr>
-        <p:spPr/>
-        <p:txBody>
-          <a:bodyPr/>
-          <a:lstStyle/>
-          <a:p>
-            <a:endParaRPr lang="en-US" dirty="0"/>
-          </a:p>
-        </p:txBody>
-      </p:sp>
-      <p:pic>
-        <p:nvPicPr>
-          <p:cNvPr id="6146" name="Picture 2" descr="Standard Deviation - Formula | How to Calculate Standard Deviation?">
-            <a:extLst>
-              <a:ext uri="{FF2B5EF4-FFF2-40B4-BE49-F238E27FC236}">
-                <a16:creationId xmlns:a16="http://schemas.microsoft.com/office/drawing/2014/main" id="{E31D3B81-B6F4-16E2-8F17-E332E7B4E412}"/>
-              </a:ext>
-            </a:extLst>
-          </p:cNvPr>
-          <p:cNvPicPr>
-            <a:picLocks noChangeAspect="1" noChangeArrowheads="1"/>
-          </p:cNvPicPr>
-          <p:nvPr/>
-        </p:nvPicPr>
-        <p:blipFill>
-          <a:blip r:embed="rId2">
-            <a:extLst>
-              <a:ext uri="{28A0092B-C50C-407E-A947-70E740481C1C}">
-                <a14:useLocalDpi xmlns:a14="http://schemas.microsoft.com/office/drawing/2010/main" val="0"/>
-              </a:ext>
-            </a:extLst>
-          </a:blip>
-          <a:srcRect/>
-          <a:stretch>
-            <a:fillRect/>
-          </a:stretch>
-        </p:blipFill>
-        <p:spPr bwMode="auto">
-          <a:xfrm>
-            <a:off x="1682750" y="1370013"/>
-            <a:ext cx="8826500" cy="5029200"/>
-          </a:xfrm>
-          <a:prstGeom prst="rect">
-            <a:avLst/>
-          </a:prstGeom>
-          <a:noFill/>
-          <a:extLst>
-            <a:ext uri="{909E8E84-426E-40DD-AFC4-6F175D3DCCD1}">
-              <a14:hiddenFill xmlns:a14="http://schemas.microsoft.com/office/drawing/2010/main">
-                <a:solidFill>
-                  <a:srgbClr val="FFFFFF"/>
-                </a:solidFill>
-              </a14:hiddenFill>
-            </a:ext>
-          </a:extLst>
-        </p:spPr>
-      </p:pic>
-    </p:spTree>
-    <p:extLst>
-      <p:ext uri="{BB962C8B-B14F-4D97-AF65-F5344CB8AC3E}">
-        <p14:creationId xmlns:p14="http://schemas.microsoft.com/office/powerpoint/2010/main" val="3081582190"/>
-      </p:ext>
-    </p:extLst>
-  </p:cSld>
-  <p:clrMapOvr>
-    <a:masterClrMapping/>
-  </p:clrMapOvr>
-</p:sld>
-</file>
-
-<file path=ppt/slides/slide15.xml><?xml version="1.0" encoding="utf-8"?>
-<p:sld xmlns:a="http://schemas.openxmlformats.org/drawingml/2006/main" xmlns:r="http://schemas.openxmlformats.org/officeDocument/2006/relationships" xmlns:p="http://schemas.openxmlformats.org/presentationml/2006/main">
-  <p:cSld>
-    <p:spTree>
-      <p:nvGrpSpPr>
-        <p:cNvPr id="1" name=""/>
-        <p:cNvGrpSpPr/>
-        <p:nvPr/>
-      </p:nvGrpSpPr>
-      <p:grpSpPr>
-        <a:xfrm>
-          <a:off x="0" y="0"/>
-          <a:ext cx="0" cy="0"/>
-          <a:chOff x="0" y="0"/>
-          <a:chExt cx="0" cy="0"/>
-        </a:xfrm>
-      </p:grpSpPr>
-      <p:sp>
-        <p:nvSpPr>
-          <p:cNvPr id="3" name="Title 2"/>
-          <p:cNvSpPr>
-            <a:spLocks noGrp="1"/>
-          </p:cNvSpPr>
-          <p:nvPr>
-            <p:ph type="title"/>
-          </p:nvPr>
-        </p:nvSpPr>
-        <p:spPr/>
-        <p:txBody>
-          <a:bodyPr>
-            <a:normAutofit/>
-          </a:bodyPr>
-          <a:lstStyle/>
-          <a:p>
-            <a:r>
               <a:rPr lang="en-US" dirty="0">
                 <a:solidFill>
                   <a:schemeClr val="accent1"/>
                 </a:solidFill>
               </a:rPr>
-              <a:t>Describing a Distribution</a:t>
+              <a:t>The Standardized Statistic</a:t>
             </a:r>
           </a:p>
         </p:txBody>
@@ -12337,311 +12245,6 @@
           <a:p>
             <a:r>
               <a:rPr lang="en-US" dirty="0"/>
-              <a:t>There are two main ways to find the mean and SD of a null distribution:</a:t>
-            </a:r>
-          </a:p>
-          <a:p>
-            <a:pPr lvl="1"/>
-            <a:r>
-              <a:rPr lang="en-US" sz="2600" dirty="0"/>
-              <a:t>Have the applet compute them. (Click “Summary Stats” box in </a:t>
-            </a:r>
-            <a:r>
-              <a:rPr lang="en-US" sz="2600" b="1" dirty="0"/>
-              <a:t>One Proportion</a:t>
-            </a:r>
-            <a:r>
-              <a:rPr lang="en-US" sz="2600" dirty="0"/>
-              <a:t> applet.)</a:t>
-            </a:r>
-          </a:p>
-          <a:p>
-            <a:pPr lvl="1"/>
-            <a:r>
-              <a:rPr lang="en-US" sz="2600" dirty="0"/>
-              <a:t>Use an appropriate theory-based approach (Section 1.5).</a:t>
-            </a:r>
-          </a:p>
-          <a:p>
-            <a:endParaRPr lang="en-US" dirty="0"/>
-          </a:p>
-          <a:p>
-            <a:pPr marL="114300" indent="0">
-              <a:buNone/>
-            </a:pPr>
-            <a:r>
-              <a:rPr lang="en-US" dirty="0"/>
-              <a:t>		</a:t>
-            </a:r>
-          </a:p>
-        </p:txBody>
-      </p:sp>
-    </p:spTree>
-    <p:extLst>
-      <p:ext uri="{BB962C8B-B14F-4D97-AF65-F5344CB8AC3E}">
-        <p14:creationId xmlns:p14="http://schemas.microsoft.com/office/powerpoint/2010/main" val="1398789498"/>
-      </p:ext>
-    </p:extLst>
-  </p:cSld>
-  <p:clrMapOvr>
-    <a:masterClrMapping/>
-  </p:clrMapOvr>
-</p:sld>
-</file>
-
-<file path=ppt/slides/slide16.xml><?xml version="1.0" encoding="utf-8"?>
-<p:sld xmlns:a="http://schemas.openxmlformats.org/drawingml/2006/main" xmlns:r="http://schemas.openxmlformats.org/officeDocument/2006/relationships" xmlns:p="http://schemas.openxmlformats.org/presentationml/2006/main">
-  <p:cSld>
-    <p:spTree>
-      <p:nvGrpSpPr>
-        <p:cNvPr id="1" name=""/>
-        <p:cNvGrpSpPr/>
-        <p:nvPr/>
-      </p:nvGrpSpPr>
-      <p:grpSpPr>
-        <a:xfrm>
-          <a:off x="0" y="0"/>
-          <a:ext cx="0" cy="0"/>
-          <a:chOff x="0" y="0"/>
-          <a:chExt cx="0" cy="0"/>
-        </a:xfrm>
-      </p:grpSpPr>
-      <p:sp>
-        <p:nvSpPr>
-          <p:cNvPr id="2" name="Title 1"/>
-          <p:cNvSpPr>
-            <a:spLocks noGrp="1"/>
-          </p:cNvSpPr>
-          <p:nvPr>
-            <p:ph type="title"/>
-          </p:nvPr>
-        </p:nvSpPr>
-        <p:spPr/>
-        <p:txBody>
-          <a:bodyPr/>
-          <a:lstStyle/>
-          <a:p>
-            <a:r>
-              <a:rPr lang="en-US" dirty="0">
-                <a:solidFill>
-                  <a:schemeClr val="accent1"/>
-                </a:solidFill>
-              </a:rPr>
-              <a:t>Describing a Distribution</a:t>
-            </a:r>
-          </a:p>
-        </p:txBody>
-      </p:sp>
-      <p:sp>
-        <p:nvSpPr>
-          <p:cNvPr id="5" name="Oval 4"/>
-          <p:cNvSpPr/>
-          <p:nvPr/>
-        </p:nvSpPr>
-        <p:spPr>
-          <a:xfrm>
-            <a:off x="2819400" y="1981200"/>
-            <a:ext cx="1676400" cy="838200"/>
-          </a:xfrm>
-          <a:prstGeom prst="ellipse">
-            <a:avLst/>
-          </a:prstGeom>
-          <a:noFill/>
-          <a:ln w="28575" cmpd="sng"/>
-          <a:effectLst/>
-        </p:spPr>
-        <p:style>
-          <a:lnRef idx="1">
-            <a:schemeClr val="accent1"/>
-          </a:lnRef>
-          <a:fillRef idx="3">
-            <a:schemeClr val="accent1"/>
-          </a:fillRef>
-          <a:effectRef idx="2">
-            <a:schemeClr val="accent1"/>
-          </a:effectRef>
-          <a:fontRef idx="minor">
-            <a:schemeClr val="lt1"/>
-          </a:fontRef>
-        </p:style>
-        <p:txBody>
-          <a:bodyPr rtlCol="0" anchor="ctr"/>
-          <a:lstStyle/>
-          <a:p>
-            <a:pPr algn="ctr" eaLnBrk="0" fontAlgn="base" hangingPunct="0">
-              <a:spcBef>
-                <a:spcPct val="0"/>
-              </a:spcBef>
-              <a:spcAft>
-                <a:spcPct val="0"/>
-              </a:spcAft>
-              <a:defRPr/>
-            </a:pPr>
-            <a:endParaRPr lang="en-US">
-              <a:solidFill>
-                <a:prstClr val="white"/>
-              </a:solidFill>
-              <a:latin typeface="Calibri"/>
-            </a:endParaRPr>
-          </a:p>
-        </p:txBody>
-      </p:sp>
-      <p:sp>
-        <p:nvSpPr>
-          <p:cNvPr id="7" name="TextBox 6">
-            <a:extLst>
-              <a:ext uri="{FF2B5EF4-FFF2-40B4-BE49-F238E27FC236}">
-                <a16:creationId xmlns:a16="http://schemas.microsoft.com/office/drawing/2014/main" id="{D4F6CC26-E2F0-B749-BBC0-89B04E0B50CF}"/>
-              </a:ext>
-            </a:extLst>
-          </p:cNvPr>
-          <p:cNvSpPr txBox="1"/>
-          <p:nvPr/>
-        </p:nvSpPr>
-        <p:spPr>
-          <a:xfrm>
-            <a:off x="5410201" y="1676400"/>
-            <a:ext cx="495649" cy="369332"/>
-          </a:xfrm>
-          <a:prstGeom prst="rect">
-            <a:avLst/>
-          </a:prstGeom>
-          <a:noFill/>
-        </p:spPr>
-        <p:txBody>
-          <a:bodyPr wrap="none" rtlCol="0">
-            <a:spAutoFit/>
-          </a:bodyPr>
-          <a:lstStyle/>
-          <a:p>
-            <a:pPr eaLnBrk="0" fontAlgn="base" hangingPunct="0">
-              <a:spcBef>
-                <a:spcPct val="0"/>
-              </a:spcBef>
-              <a:spcAft>
-                <a:spcPct val="0"/>
-              </a:spcAft>
-              <a:defRPr/>
-            </a:pPr>
-            <a:r>
-              <a:rPr lang="en-US" dirty="0">
-                <a:solidFill>
-                  <a:prstClr val="black"/>
-                </a:solidFill>
-                <a:latin typeface="Verdana" pitchFamily="34" charset="0"/>
-              </a:rPr>
-              <a:t>z=</a:t>
-            </a:r>
-          </a:p>
-        </p:txBody>
-      </p:sp>
-      <p:pic>
-        <p:nvPicPr>
-          <p:cNvPr id="3" name="Picture 2">
-            <a:extLst>
-              <a:ext uri="{FF2B5EF4-FFF2-40B4-BE49-F238E27FC236}">
-                <a16:creationId xmlns:a16="http://schemas.microsoft.com/office/drawing/2014/main" id="{D6053745-646A-004F-8F3B-1D2C4BCF6825}"/>
-              </a:ext>
-            </a:extLst>
-          </p:cNvPr>
-          <p:cNvPicPr>
-            <a:picLocks noChangeAspect="1"/>
-          </p:cNvPicPr>
-          <p:nvPr/>
-        </p:nvPicPr>
-        <p:blipFill>
-          <a:blip r:embed="rId2"/>
-          <a:stretch>
-            <a:fillRect/>
-          </a:stretch>
-        </p:blipFill>
-        <p:spPr>
-          <a:xfrm>
-            <a:off x="2483024" y="1379009"/>
-            <a:ext cx="6350000" cy="5194300"/>
-          </a:xfrm>
-          <a:prstGeom prst="rect">
-            <a:avLst/>
-          </a:prstGeom>
-        </p:spPr>
-      </p:pic>
-    </p:spTree>
-    <p:extLst>
-      <p:ext uri="{BB962C8B-B14F-4D97-AF65-F5344CB8AC3E}">
-        <p14:creationId xmlns:p14="http://schemas.microsoft.com/office/powerpoint/2010/main" val="2803637066"/>
-      </p:ext>
-    </p:extLst>
-  </p:cSld>
-  <p:clrMapOvr>
-    <a:masterClrMapping/>
-  </p:clrMapOvr>
-</p:sld>
-</file>
-
-<file path=ppt/slides/slide17.xml><?xml version="1.0" encoding="utf-8"?>
-<p:sld xmlns:a="http://schemas.openxmlformats.org/drawingml/2006/main" xmlns:r="http://schemas.openxmlformats.org/officeDocument/2006/relationships" xmlns:p="http://schemas.openxmlformats.org/presentationml/2006/main">
-  <p:cSld>
-    <p:spTree>
-      <p:nvGrpSpPr>
-        <p:cNvPr id="1" name=""/>
-        <p:cNvGrpSpPr/>
-        <p:nvPr/>
-      </p:nvGrpSpPr>
-      <p:grpSpPr>
-        <a:xfrm>
-          <a:off x="0" y="0"/>
-          <a:ext cx="0" cy="0"/>
-          <a:chOff x="0" y="0"/>
-          <a:chExt cx="0" cy="0"/>
-        </a:xfrm>
-      </p:grpSpPr>
-      <p:sp>
-        <p:nvSpPr>
-          <p:cNvPr id="3" name="Title 2"/>
-          <p:cNvSpPr>
-            <a:spLocks noGrp="1"/>
-          </p:cNvSpPr>
-          <p:nvPr>
-            <p:ph type="title"/>
-          </p:nvPr>
-        </p:nvSpPr>
-        <p:spPr/>
-        <p:txBody>
-          <a:bodyPr>
-            <a:normAutofit/>
-          </a:bodyPr>
-          <a:lstStyle/>
-          <a:p>
-            <a:r>
-              <a:rPr lang="en-US" dirty="0">
-                <a:solidFill>
-                  <a:schemeClr val="accent1"/>
-                </a:solidFill>
-              </a:rPr>
-              <a:t>The Standardized Statistic</a:t>
-            </a:r>
-          </a:p>
-        </p:txBody>
-      </p:sp>
-      <p:sp>
-        <p:nvSpPr>
-          <p:cNvPr id="4" name="Content Placeholder 3"/>
-          <p:cNvSpPr>
-            <a:spLocks noGrp="1"/>
-          </p:cNvSpPr>
-          <p:nvPr>
-            <p:ph sz="quarter" idx="12"/>
-          </p:nvPr>
-        </p:nvSpPr>
-        <p:spPr/>
-        <p:txBody>
-          <a:bodyPr>
-            <a:noAutofit/>
-          </a:bodyPr>
-          <a:lstStyle/>
-          <a:p>
-            <a:r>
-              <a:rPr lang="en-US" dirty="0"/>
               <a:t>The</a:t>
             </a:r>
             <a:r>
@@ -12667,6 +12270,12 @@
             <a:r>
               <a:rPr lang="en-US" dirty="0"/>
               <a:t>) is the number of standard deviations an observed statistic falls above or below the mean of a null distribution.</a:t>
+            </a:r>
+          </a:p>
+          <a:p>
+            <a:r>
+              <a:rPr lang="en-US" dirty="0"/>
+              <a:t>Measure how far the observed value is from the mean of the distribution, using standard deviation units.</a:t>
             </a:r>
           </a:p>
           <a:p>
@@ -12714,7 +12323,7 @@
         </p:blipFill>
         <p:spPr>
           <a:xfrm>
-            <a:off x="1981200" y="3352800"/>
+            <a:off x="1981200" y="4068793"/>
             <a:ext cx="8026400" cy="1130300"/>
           </a:xfrm>
           <a:prstGeom prst="rect">
@@ -12735,7 +12344,7 @@
 </p:sld>
 </file>
 
-<file path=ppt/slides/slide18.xml><?xml version="1.0" encoding="utf-8"?>
+<file path=ppt/slides/slide14.xml><?xml version="1.0" encoding="utf-8"?>
 <p:sld xmlns:a="http://schemas.openxmlformats.org/drawingml/2006/main" xmlns:r="http://schemas.openxmlformats.org/officeDocument/2006/relationships" xmlns:p="http://schemas.openxmlformats.org/presentationml/2006/main">
   <p:cSld>
     <p:spTree>
@@ -14975,104 +14584,6 @@
 </p:sld>
 </file>
 
-<file path=ppt/slides/slide19.xml><?xml version="1.0" encoding="utf-8"?>
-<p:sld xmlns:a="http://schemas.openxmlformats.org/drawingml/2006/main" xmlns:r="http://schemas.openxmlformats.org/officeDocument/2006/relationships" xmlns:p="http://schemas.openxmlformats.org/presentationml/2006/main">
-  <p:cSld>
-    <p:spTree>
-      <p:nvGrpSpPr>
-        <p:cNvPr id="1" name=""/>
-        <p:cNvGrpSpPr/>
-        <p:nvPr/>
-      </p:nvGrpSpPr>
-      <p:grpSpPr>
-        <a:xfrm>
-          <a:off x="0" y="0"/>
-          <a:ext cx="0" cy="0"/>
-          <a:chOff x="0" y="0"/>
-          <a:chExt cx="0" cy="0"/>
-        </a:xfrm>
-      </p:grpSpPr>
-      <p:sp>
-        <p:nvSpPr>
-          <p:cNvPr id="3" name="Title 2"/>
-          <p:cNvSpPr>
-            <a:spLocks noGrp="1"/>
-          </p:cNvSpPr>
-          <p:nvPr>
-            <p:ph type="title"/>
-          </p:nvPr>
-        </p:nvSpPr>
-        <p:spPr/>
-        <p:txBody>
-          <a:bodyPr/>
-          <a:lstStyle/>
-          <a:p>
-            <a:r>
-              <a:rPr lang="en-US" dirty="0">
-                <a:solidFill>
-                  <a:schemeClr val="accent1"/>
-                </a:solidFill>
-              </a:rPr>
-              <a:t>Strength of Evidence</a:t>
-            </a:r>
-          </a:p>
-        </p:txBody>
-      </p:sp>
-      <p:sp>
-        <p:nvSpPr>
-          <p:cNvPr id="2" name="Content Placeholder 1"/>
-          <p:cNvSpPr>
-            <a:spLocks noGrp="1"/>
-          </p:cNvSpPr>
-          <p:nvPr>
-            <p:ph sz="quarter" idx="12"/>
-          </p:nvPr>
-        </p:nvSpPr>
-        <p:spPr/>
-        <p:txBody>
-          <a:bodyPr>
-            <a:normAutofit/>
-          </a:bodyPr>
-          <a:lstStyle/>
-          <a:p>
-            <a:r>
-              <a:rPr lang="en-US" dirty="0"/>
-              <a:t>Two-sided tests increase the p-value compared to one-sided tests (it about doubles).</a:t>
-            </a:r>
-          </a:p>
-          <a:p>
-            <a:r>
-              <a:rPr lang="en-US" dirty="0"/>
-              <a:t>So more evidence is needed to conclude the alternative in a two-sided test.</a:t>
-            </a:r>
-          </a:p>
-          <a:p>
-            <a:r>
-              <a:rPr lang="en-US" dirty="0"/>
-              <a:t>The guidelines given for interpreting z-values correspond to two-sided p-values.</a:t>
-            </a:r>
-          </a:p>
-          <a:p>
-            <a:r>
-              <a:rPr lang="en-US" dirty="0"/>
-              <a:t>But two-sided p-values don’t convey whether observed statistic is more or less than what the null predicts, whereas z-values do.</a:t>
-            </a:r>
-          </a:p>
-        </p:txBody>
-      </p:sp>
-    </p:spTree>
-    <p:extLst>
-      <p:ext uri="{BB962C8B-B14F-4D97-AF65-F5344CB8AC3E}">
-        <p14:creationId xmlns:p14="http://schemas.microsoft.com/office/powerpoint/2010/main" val="4240548006"/>
-      </p:ext>
-    </p:extLst>
-  </p:cSld>
-  <p:clrMapOvr>
-    <a:masterClrMapping/>
-  </p:clrMapOvr>
-</p:sld>
-</file>
-
 <file path=ppt/slides/slide2.xml><?xml version="1.0" encoding="utf-8"?>
 <p:sld xmlns:a="http://schemas.openxmlformats.org/drawingml/2006/main" xmlns:r="http://schemas.openxmlformats.org/officeDocument/2006/relationships" xmlns:p="http://schemas.openxmlformats.org/presentationml/2006/main">
   <p:cSld>
@@ -15766,13 +15277,7 @@
       </p:grpSpPr>
       <p:sp>
         <p:nvSpPr>
-          <p:cNvPr id="6" name="Title 5">
-            <a:extLst>
-              <a:ext uri="{FF2B5EF4-FFF2-40B4-BE49-F238E27FC236}">
-                <a16:creationId xmlns:a16="http://schemas.microsoft.com/office/drawing/2014/main" id="{4C6108D9-C01C-D8E2-2FE7-84B8E2527657}"/>
-              </a:ext>
-            </a:extLst>
-          </p:cNvPr>
+          <p:cNvPr id="2" name="Title 1"/>
           <p:cNvSpPr>
             <a:spLocks noGrp="1"/>
           </p:cNvSpPr>
@@ -15786,96 +15291,72 @@
           <a:lstStyle/>
           <a:p>
             <a:r>
+              <a:rPr lang="en-US" dirty="0">
+                <a:solidFill>
+                  <a:schemeClr val="accent1"/>
+                </a:solidFill>
+              </a:rPr>
+              <a:t>Strength of Evidence</a:t>
+            </a:r>
+          </a:p>
+        </p:txBody>
+      </p:sp>
+      <p:sp>
+        <p:nvSpPr>
+          <p:cNvPr id="3" name="Content Placeholder 2"/>
+          <p:cNvSpPr>
+            <a:spLocks noGrp="1"/>
+          </p:cNvSpPr>
+          <p:nvPr>
+            <p:ph sz="quarter" idx="12"/>
+          </p:nvPr>
+        </p:nvSpPr>
+        <p:spPr/>
+        <p:txBody>
+          <a:bodyPr>
+            <a:normAutofit/>
+          </a:bodyPr>
+          <a:lstStyle/>
+          <a:p>
+            <a:r>
               <a:rPr lang="en-US" dirty="0"/>
-              <a:t>One vs. Two-sided tests</a:t>
-            </a:r>
-          </a:p>
-        </p:txBody>
-      </p:sp>
-      <p:sp>
-        <p:nvSpPr>
-          <p:cNvPr id="5" name="Slide Number Placeholder 4">
-            <a:extLst>
-              <a:ext uri="{FF2B5EF4-FFF2-40B4-BE49-F238E27FC236}">
-                <a16:creationId xmlns:a16="http://schemas.microsoft.com/office/drawing/2014/main" id="{75B4FB73-2141-5F71-F793-2ADA97A48981}"/>
-              </a:ext>
-            </a:extLst>
-          </p:cNvPr>
-          <p:cNvSpPr>
-            <a:spLocks noGrp="1"/>
-          </p:cNvSpPr>
-          <p:nvPr>
-            <p:ph type="sldNum" sz="quarter" idx="10"/>
-          </p:nvPr>
-        </p:nvSpPr>
-        <p:spPr/>
-        <p:txBody>
-          <a:bodyPr/>
-          <a:lstStyle/>
-          <a:p>
-            <a:fld id="{73C0E3FB-88AF-4ADD-83DE-EE41332F22CB}" type="slidenum">
-              <a:rPr lang="en-US" smtClean="0"/>
-              <a:pPr/>
-              <a:t>6</a:t>
-            </a:fld>
-            <a:endParaRPr lang="en-US" dirty="0"/>
-          </a:p>
-        </p:txBody>
-      </p:sp>
-      <p:sp>
-        <p:nvSpPr>
-          <p:cNvPr id="4" name="Footer Placeholder 3">
-            <a:extLst>
-              <a:ext uri="{FF2B5EF4-FFF2-40B4-BE49-F238E27FC236}">
-                <a16:creationId xmlns:a16="http://schemas.microsoft.com/office/drawing/2014/main" id="{54671739-D249-DF4F-824D-7E455E8668A1}"/>
-              </a:ext>
-            </a:extLst>
-          </p:cNvPr>
-          <p:cNvSpPr>
-            <a:spLocks noGrp="1"/>
-          </p:cNvSpPr>
-          <p:nvPr>
-            <p:ph type="ftr" sz="quarter" idx="11"/>
-          </p:nvPr>
-        </p:nvSpPr>
-        <p:spPr/>
-        <p:txBody>
-          <a:bodyPr/>
-          <a:lstStyle/>
-          <a:p>
-            <a:endParaRPr lang="en-US" dirty="0"/>
-          </a:p>
-        </p:txBody>
-      </p:sp>
-      <p:sp>
-        <p:nvSpPr>
-          <p:cNvPr id="7" name="Content Placeholder 6">
-            <a:extLst>
-              <a:ext uri="{FF2B5EF4-FFF2-40B4-BE49-F238E27FC236}">
-                <a16:creationId xmlns:a16="http://schemas.microsoft.com/office/drawing/2014/main" id="{2593A75C-C474-BBAB-45E9-12E2E9394D17}"/>
-              </a:ext>
-            </a:extLst>
-          </p:cNvPr>
-          <p:cNvSpPr>
-            <a:spLocks noGrp="1"/>
-          </p:cNvSpPr>
-          <p:nvPr>
-            <p:ph sz="quarter" idx="12"/>
-          </p:nvPr>
-        </p:nvSpPr>
-        <p:spPr/>
-        <p:txBody>
-          <a:bodyPr/>
-          <a:lstStyle/>
-          <a:p>
-            <a:endParaRPr lang="en-US" dirty="0"/>
+              <a:t>P-values are one measure for the strength of evidence. </a:t>
+            </a:r>
+          </a:p>
+          <a:p>
+            <a:r>
+              <a:rPr lang="en-US" dirty="0"/>
+              <a:t>Another approach is to </a:t>
+            </a:r>
+            <a:r>
+              <a:rPr lang="en-US" i="1" dirty="0"/>
+              <a:t>standardize</a:t>
+            </a:r>
+            <a:r>
+              <a:rPr lang="en-US" dirty="0"/>
+              <a:t> our observed statistic</a:t>
+            </a:r>
+            <a:r>
+              <a:rPr lang="en-US" i="1" dirty="0"/>
+              <a:t>.</a:t>
+            </a:r>
+          </a:p>
+          <a:p>
+            <a:r>
+              <a:rPr lang="en-US" i="1" dirty="0"/>
+              <a:t>Standardizing </a:t>
+            </a:r>
+            <a:r>
+              <a:rPr lang="en-US" dirty="0"/>
+              <a:t>gives a quick, informal way to evaluate strength of evidence.</a:t>
+            </a:r>
           </a:p>
         </p:txBody>
       </p:sp>
     </p:spTree>
     <p:extLst>
       <p:ext uri="{BB962C8B-B14F-4D97-AF65-F5344CB8AC3E}">
-        <p14:creationId xmlns:p14="http://schemas.microsoft.com/office/powerpoint/2010/main" val="2531020251"/>
+        <p14:creationId xmlns:p14="http://schemas.microsoft.com/office/powerpoint/2010/main" val="2559634602"/>
       </p:ext>
     </p:extLst>
   </p:cSld>
@@ -15904,7 +15385,7 @@
       </p:grpSpPr>
       <p:sp>
         <p:nvSpPr>
-          <p:cNvPr id="3" name="Title 2"/>
+          <p:cNvPr id="2" name="Title 1"/>
           <p:cNvSpPr>
             <a:spLocks noGrp="1"/>
           </p:cNvSpPr>
@@ -15923,14 +15404,14 @@
                   <a:schemeClr val="accent1"/>
                 </a:solidFill>
               </a:rPr>
-              <a:t>Two-Sided Tests</a:t>
-            </a:r>
-          </a:p>
-        </p:txBody>
-      </p:sp>
-      <p:sp>
-        <p:nvSpPr>
-          <p:cNvPr id="2" name="Content Placeholder 1"/>
+              <a:t>Describing a Distribution</a:t>
+            </a:r>
+          </a:p>
+        </p:txBody>
+      </p:sp>
+      <p:sp>
+        <p:nvSpPr>
+          <p:cNvPr id="3" name="Content Placeholder 2"/>
           <p:cNvSpPr>
             <a:spLocks noGrp="1"/>
           </p:cNvSpPr>
@@ -15947,59 +15428,44 @@
           <a:p>
             <a:r>
               <a:rPr lang="en-US" dirty="0"/>
-              <a:t>In a two-sided test, the alternative hypothesis is the logical negation of the null.</a:t>
-            </a:r>
-          </a:p>
-          <a:p>
-            <a:r>
-              <a:rPr lang="en-US" b="1" dirty="0"/>
-              <a:t>Null hypothesis: </a:t>
-            </a:r>
-            <a:r>
-              <a:rPr lang="en-US" dirty="0"/>
-              <a:t>How people decide which face is Tim’s is no different from random guessing. (H</a:t>
-            </a:r>
-            <a:r>
-              <a:rPr lang="en-US" baseline="-25000" dirty="0"/>
-              <a:t>0</a:t>
-            </a:r>
-            <a:r>
-              <a:rPr lang="en-US" dirty="0"/>
-              <a:t>: π = 0.50)  </a:t>
-            </a:r>
-          </a:p>
-          <a:p>
-            <a:r>
-              <a:rPr lang="en-US" b="1" dirty="0"/>
-              <a:t>Alternative hypothesis: </a:t>
-            </a:r>
-            <a:r>
-              <a:rPr lang="en-US" dirty="0"/>
-              <a:t>How people decide which face is Tim’s is different from random guessing. (H</a:t>
-            </a:r>
-            <a:r>
-              <a:rPr lang="en-US" baseline="-25000" dirty="0"/>
-              <a:t>a</a:t>
-            </a:r>
-            <a:r>
-              <a:rPr lang="en-US" dirty="0"/>
-              <a:t>: </a:t>
-            </a:r>
-            <a:r>
-              <a:rPr lang="el-GR" dirty="0">
-                <a:cs typeface="Times New Roman" pitchFamily="18" charset="0"/>
-              </a:rPr>
-              <a:t>π</a:t>
-            </a:r>
-            <a:r>
-              <a:rPr lang="en-US" dirty="0"/>
-              <a:t> ≠ 0.50)</a:t>
-            </a:r>
-          </a:p>
-          <a:p>
-            <a:pPr marL="109728" indent="0">
-              <a:buNone/>
-            </a:pPr>
+              <a:t>Some aspects to look for in a distribution:</a:t>
+            </a:r>
+          </a:p>
+          <a:p>
+            <a:pPr lvl="1"/>
+            <a:r>
+              <a:rPr lang="en-US" sz="2800" b="1" i="1" dirty="0"/>
+              <a:t>Shape </a:t>
+            </a:r>
+          </a:p>
+          <a:p>
+            <a:pPr lvl="1"/>
+            <a:r>
+              <a:rPr lang="en-US" sz="2800" b="1" i="1" dirty="0"/>
+              <a:t>Center </a:t>
+            </a:r>
+            <a:endParaRPr lang="en-US" sz="2800" dirty="0"/>
+          </a:p>
+          <a:p>
+            <a:pPr lvl="1"/>
+            <a:r>
+              <a:rPr lang="en-US" sz="2800" b="1" i="1" dirty="0"/>
+              <a:t>Variability </a:t>
+            </a:r>
+            <a:r>
+              <a:rPr lang="en-US" sz="2800" dirty="0"/>
+              <a:t>(how spread out is the data?)</a:t>
+            </a:r>
+          </a:p>
+          <a:p>
+            <a:pPr lvl="1"/>
+            <a:r>
+              <a:rPr lang="en-US" sz="2800" b="1" i="1" dirty="0"/>
+              <a:t>Unusual observations</a:t>
+            </a:r>
+            <a:endParaRPr lang="en-US" sz="2800" dirty="0"/>
+          </a:p>
+          <a:p>
             <a:endParaRPr lang="en-US" dirty="0"/>
           </a:p>
         </p:txBody>
@@ -16007,7 +15473,7 @@
     </p:spTree>
     <p:extLst>
       <p:ext uri="{BB962C8B-B14F-4D97-AF65-F5344CB8AC3E}">
-        <p14:creationId xmlns:p14="http://schemas.microsoft.com/office/powerpoint/2010/main" val="1849084094"/>
+        <p14:creationId xmlns:p14="http://schemas.microsoft.com/office/powerpoint/2010/main" val="1078740990"/>
       </p:ext>
     </p:extLst>
   </p:cSld>
@@ -16036,13 +15502,7 @@
       </p:grpSpPr>
       <p:sp>
         <p:nvSpPr>
-          <p:cNvPr id="2" name="Title 1">
-            <a:extLst>
-              <a:ext uri="{FF2B5EF4-FFF2-40B4-BE49-F238E27FC236}">
-                <a16:creationId xmlns:a16="http://schemas.microsoft.com/office/drawing/2014/main" id="{62A972F0-64A5-915F-DBB1-3CBBCF95EFBF}"/>
-              </a:ext>
-            </a:extLst>
-          </p:cNvPr>
+          <p:cNvPr id="2" name="Title 1"/>
           <p:cNvSpPr>
             <a:spLocks noGrp="1"/>
           </p:cNvSpPr>
@@ -16056,103 +15516,91 @@
           <a:lstStyle/>
           <a:p>
             <a:r>
+              <a:rPr lang="en-US" dirty="0">
+                <a:solidFill>
+                  <a:schemeClr val="accent1"/>
+                </a:solidFill>
+              </a:rPr>
+              <a:t>Describing a Distribution</a:t>
+            </a:r>
+          </a:p>
+        </p:txBody>
+      </p:sp>
+      <p:sp>
+        <p:nvSpPr>
+          <p:cNvPr id="3" name="Content Placeholder 2"/>
+          <p:cNvSpPr>
+            <a:spLocks noGrp="1"/>
+          </p:cNvSpPr>
+          <p:nvPr>
+            <p:ph sz="quarter" idx="12"/>
+          </p:nvPr>
+        </p:nvSpPr>
+        <p:spPr/>
+        <p:txBody>
+          <a:bodyPr>
+            <a:normAutofit/>
+          </a:bodyPr>
+          <a:lstStyle/>
+          <a:p>
+            <a:r>
               <a:rPr lang="en-US" dirty="0"/>
-              <a:t>Let's guess people's faces</a:t>
-            </a:r>
-          </a:p>
-        </p:txBody>
-      </p:sp>
-      <p:sp>
-        <p:nvSpPr>
-          <p:cNvPr id="3" name="Slide Number Placeholder 2">
-            <a:extLst>
-              <a:ext uri="{FF2B5EF4-FFF2-40B4-BE49-F238E27FC236}">
-                <a16:creationId xmlns:a16="http://schemas.microsoft.com/office/drawing/2014/main" id="{09CCB2D0-0D28-B7DE-1917-F30FBF776FF8}"/>
-              </a:ext>
-            </a:extLst>
-          </p:cNvPr>
-          <p:cNvSpPr>
-            <a:spLocks noGrp="1"/>
-          </p:cNvSpPr>
-          <p:nvPr>
-            <p:ph type="sldNum" sz="quarter" idx="10"/>
-          </p:nvPr>
-        </p:nvSpPr>
-        <p:spPr/>
-        <p:txBody>
-          <a:bodyPr/>
-          <a:lstStyle/>
-          <a:p>
-            <a:fld id="{67B19427-F580-D146-B60E-4CADEE75497F}" type="slidenum">
-              <a:rPr lang="en-US" smtClean="0"/>
-              <a:pPr/>
-              <a:t>8</a:t>
-            </a:fld>
+              <a:t>For our null distribution:</a:t>
+            </a:r>
+          </a:p>
+          <a:p>
+            <a:pPr lvl="1"/>
+            <a:r>
+              <a:rPr lang="en-US" sz="2800" b="1" i="1" dirty="0"/>
+              <a:t>Shape: </a:t>
+            </a:r>
+            <a:r>
+              <a:rPr lang="en-US" sz="2800" dirty="0"/>
+              <a:t>bell-curve (“normal”)</a:t>
+            </a:r>
+          </a:p>
+          <a:p>
+            <a:pPr lvl="1"/>
+            <a:r>
+              <a:rPr lang="en-US" sz="2800" b="1" i="1" dirty="0"/>
+              <a:t>Center: </a:t>
+            </a:r>
+            <a:r>
+              <a:rPr lang="en-US" sz="2800" dirty="0"/>
+              <a:t>mean (average)</a:t>
+            </a:r>
+          </a:p>
+          <a:p>
+            <a:pPr lvl="1"/>
+            <a:r>
+              <a:rPr lang="en-US" sz="2800" b="1" i="1" dirty="0"/>
+              <a:t>Variability: </a:t>
+            </a:r>
+            <a:r>
+              <a:rPr lang="en-US" sz="2800" dirty="0"/>
+              <a:t>standard deviation (SD)</a:t>
+            </a:r>
+          </a:p>
+          <a:p>
+            <a:pPr lvl="1"/>
+            <a:r>
+              <a:rPr lang="en-US" sz="2800" b="1" i="1" dirty="0"/>
+              <a:t>Unusual observations: </a:t>
+            </a:r>
+            <a:r>
+              <a:rPr lang="en-US" sz="2800" dirty="0"/>
+              <a:t>none</a:t>
+            </a:r>
+          </a:p>
+          <a:p>
             <a:endParaRPr lang="en-US" dirty="0"/>
-          </a:p>
-        </p:txBody>
-      </p:sp>
-      <p:sp>
-        <p:nvSpPr>
-          <p:cNvPr id="4" name="Footer Placeholder 3">
-            <a:extLst>
-              <a:ext uri="{FF2B5EF4-FFF2-40B4-BE49-F238E27FC236}">
-                <a16:creationId xmlns:a16="http://schemas.microsoft.com/office/drawing/2014/main" id="{8E83FC78-A824-BDE7-1617-C95F2278A46F}"/>
-              </a:ext>
-            </a:extLst>
-          </p:cNvPr>
-          <p:cNvSpPr>
-            <a:spLocks noGrp="1"/>
-          </p:cNvSpPr>
-          <p:nvPr>
-            <p:ph type="ftr" sz="quarter" idx="11"/>
-          </p:nvPr>
-        </p:nvSpPr>
-        <p:spPr/>
-        <p:txBody>
-          <a:bodyPr/>
-          <a:lstStyle/>
-          <a:p>
-            <a:r>
-              <a:rPr lang="en-US"/>
-              <a:t>Copyright ©2020 John Wiley &amp; Sons, Inc. </a:t>
-            </a:r>
-            <a:endParaRPr lang="en-US" dirty="0"/>
-          </a:p>
-        </p:txBody>
-      </p:sp>
-      <p:sp>
-        <p:nvSpPr>
-          <p:cNvPr id="5" name="Content Placeholder 4">
-            <a:extLst>
-              <a:ext uri="{FF2B5EF4-FFF2-40B4-BE49-F238E27FC236}">
-                <a16:creationId xmlns:a16="http://schemas.microsoft.com/office/drawing/2014/main" id="{FDB49952-1509-2CC0-4A42-98A02FF137B9}"/>
-              </a:ext>
-            </a:extLst>
-          </p:cNvPr>
-          <p:cNvSpPr>
-            <a:spLocks noGrp="1"/>
-          </p:cNvSpPr>
-          <p:nvPr>
-            <p:ph sz="quarter" idx="12"/>
-          </p:nvPr>
-        </p:nvSpPr>
-        <p:spPr/>
-        <p:txBody>
-          <a:bodyPr/>
-          <a:lstStyle/>
-          <a:p>
-            <a:r>
-              <a:rPr lang="en-US" dirty="0"/>
-              <a:t>Given 2 photos and a name (Tim), can we guess who is named Tim?</a:t>
-            </a:r>
           </a:p>
         </p:txBody>
       </p:sp>
     </p:spTree>
     <p:extLst>
       <p:ext uri="{BB962C8B-B14F-4D97-AF65-F5344CB8AC3E}">
-        <p14:creationId xmlns:p14="http://schemas.microsoft.com/office/powerpoint/2010/main" val="379701616"/>
+        <p14:creationId xmlns:p14="http://schemas.microsoft.com/office/powerpoint/2010/main" val="2600682176"/>
       </p:ext>
     </p:extLst>
   </p:cSld>
@@ -16181,7 +15629,13 @@
       </p:grpSpPr>
       <p:sp>
         <p:nvSpPr>
-          <p:cNvPr id="2" name="Title 1"/>
+          <p:cNvPr id="2" name="Title 1">
+            <a:extLst>
+              <a:ext uri="{FF2B5EF4-FFF2-40B4-BE49-F238E27FC236}">
+                <a16:creationId xmlns:a16="http://schemas.microsoft.com/office/drawing/2014/main" id="{835F3345-CAB3-4841-2F8A-0F038F591EFB}"/>
+              </a:ext>
+            </a:extLst>
+          </p:cNvPr>
           <p:cNvSpPr>
             <a:spLocks noGrp="1"/>
           </p:cNvSpPr>
@@ -16195,49 +15649,111 @@
           <a:lstStyle/>
           <a:p>
             <a:r>
-              <a:rPr lang="en-US" sz="4300" dirty="0"/>
-              <a:t>Is the face on the left Bob or Tim?</a:t>
-            </a:r>
-          </a:p>
-        </p:txBody>
-      </p:sp>
-      <p:pic>
-        <p:nvPicPr>
-          <p:cNvPr id="4" name="Picture 3"/>
-          <p:cNvPicPr/>
-          <p:nvPr/>
-        </p:nvPicPr>
-        <p:blipFill>
-          <a:blip r:embed="rId2" cstate="print">
+              <a:rPr lang="en-US" dirty="0"/>
+              <a:t>Standard Deviation</a:t>
+            </a:r>
+          </a:p>
+        </p:txBody>
+      </p:sp>
+      <p:sp>
+        <p:nvSpPr>
+          <p:cNvPr id="3" name="Slide Number Placeholder 2">
             <a:extLst>
-              <a:ext uri="{28A0092B-C50C-407E-A947-70E740481C1C}">
-                <a14:useLocalDpi xmlns:a14="http://schemas.microsoft.com/office/drawing/2010/main" val="0"/>
+              <a:ext uri="{FF2B5EF4-FFF2-40B4-BE49-F238E27FC236}">
+                <a16:creationId xmlns:a16="http://schemas.microsoft.com/office/drawing/2014/main" id="{556F44D4-2AD1-D6C4-0F66-923A0402FBA6}"/>
               </a:ext>
             </a:extLst>
-          </a:blip>
-          <a:srcRect/>
-          <a:stretch>
-            <a:fillRect/>
-          </a:stretch>
-        </p:blipFill>
-        <p:spPr bwMode="auto">
-          <a:xfrm>
-            <a:off x="1918855" y="1524000"/>
-            <a:ext cx="7924800" cy="4191000"/>
-          </a:xfrm>
-          <a:prstGeom prst="rect">
-            <a:avLst/>
-          </a:prstGeom>
-          <a:noFill/>
-          <a:ln>
-            <a:noFill/>
-          </a:ln>
-        </p:spPr>
-      </p:pic>
+          </p:cNvPr>
+          <p:cNvSpPr>
+            <a:spLocks noGrp="1"/>
+          </p:cNvSpPr>
+          <p:nvPr>
+            <p:ph type="sldNum" sz="quarter" idx="10"/>
+          </p:nvPr>
+        </p:nvSpPr>
+        <p:spPr/>
+        <p:txBody>
+          <a:bodyPr/>
+          <a:lstStyle/>
+          <a:p>
+            <a:fld id="{67B19427-F580-D146-B60E-4CADEE75497F}" type="slidenum">
+              <a:rPr lang="en-US" smtClean="0"/>
+              <a:pPr/>
+              <a:t>9</a:t>
+            </a:fld>
+            <a:endParaRPr lang="en-US" dirty="0"/>
+          </a:p>
+        </p:txBody>
+      </p:sp>
+      <p:sp>
+        <p:nvSpPr>
+          <p:cNvPr id="4" name="Footer Placeholder 3">
+            <a:extLst>
+              <a:ext uri="{FF2B5EF4-FFF2-40B4-BE49-F238E27FC236}">
+                <a16:creationId xmlns:a16="http://schemas.microsoft.com/office/drawing/2014/main" id="{D161B7A9-3394-FCE0-76F5-A2DBE3EDC0DB}"/>
+              </a:ext>
+            </a:extLst>
+          </p:cNvPr>
+          <p:cNvSpPr>
+            <a:spLocks noGrp="1"/>
+          </p:cNvSpPr>
+          <p:nvPr>
+            <p:ph type="ftr" sz="quarter" idx="11"/>
+          </p:nvPr>
+        </p:nvSpPr>
+        <p:spPr/>
+        <p:txBody>
+          <a:bodyPr/>
+          <a:lstStyle/>
+          <a:p>
+            <a:r>
+              <a:rPr lang="en-US"/>
+              <a:t>Copyright ©2020 John Wiley &amp; Sons, Inc. </a:t>
+            </a:r>
+            <a:endParaRPr lang="en-US" dirty="0"/>
+          </a:p>
+        </p:txBody>
+      </p:sp>
+      <p:sp>
+        <p:nvSpPr>
+          <p:cNvPr id="5" name="Content Placeholder 4">
+            <a:extLst>
+              <a:ext uri="{FF2B5EF4-FFF2-40B4-BE49-F238E27FC236}">
+                <a16:creationId xmlns:a16="http://schemas.microsoft.com/office/drawing/2014/main" id="{0F2DFDC9-0AEC-A1CD-72E1-D4BA44ADDB15}"/>
+              </a:ext>
+            </a:extLst>
+          </p:cNvPr>
+          <p:cNvSpPr>
+            <a:spLocks noGrp="1"/>
+          </p:cNvSpPr>
+          <p:nvPr>
+            <p:ph sz="quarter" idx="12"/>
+          </p:nvPr>
+        </p:nvSpPr>
+        <p:spPr/>
+        <p:txBody>
+          <a:bodyPr/>
+          <a:lstStyle/>
+          <a:p>
+            <a:r>
+              <a:rPr lang="en-US" dirty="0"/>
+              <a:t>We can think of the standard deviation as the </a:t>
+            </a:r>
+            <a:r>
+              <a:rPr lang="en-US" i="1" dirty="0"/>
+              <a:t>distance</a:t>
+            </a:r>
+            <a:r>
+              <a:rPr lang="en-US" dirty="0"/>
+              <a:t> a typical value in the distribution is away from the mean of the distribution.</a:t>
+            </a:r>
+          </a:p>
+        </p:txBody>
+      </p:sp>
     </p:spTree>
     <p:extLst>
       <p:ext uri="{BB962C8B-B14F-4D97-AF65-F5344CB8AC3E}">
-        <p14:creationId xmlns:p14="http://schemas.microsoft.com/office/powerpoint/2010/main" val="3492753423"/>
+        <p14:creationId xmlns:p14="http://schemas.microsoft.com/office/powerpoint/2010/main" val="2431372537"/>
       </p:ext>
     </p:extLst>
   </p:cSld>
